--- a/doc/Java序列化 .pptx
+++ b/doc/Java序列化 .pptx
@@ -11,6 +11,10 @@
     <p:sldId id="259" r:id="rId6"/>
     <p:sldId id="263" r:id="rId7"/>
     <p:sldId id="264" r:id="rId8"/>
+    <p:sldId id="265" r:id="rId9"/>
+    <p:sldId id="267" r:id="rId10"/>
+    <p:sldId id="268" r:id="rId11"/>
+    <p:sldId id="266" r:id="rId12"/>
   </p:sldIdLst>
   <p:sldSz cx="12192000" cy="6858000"/>
   <p:notesSz cx="7103745" cy="10234295"/>
@@ -2681,6 +2685,96 @@
 </p:sld>
 </file>
 
+<file path=ppt/slides/slide10.xml><?xml version="1.0" encoding="utf-8"?>
+<p:sld xmlns:a="http://schemas.openxmlformats.org/drawingml/2006/main" xmlns:r="http://schemas.openxmlformats.org/officeDocument/2006/relationships" xmlns:p="http://schemas.openxmlformats.org/presentationml/2006/main">
+  <p:cSld>
+    <p:spTree>
+      <p:nvGrpSpPr>
+        <p:cNvPr id="1" name=""/>
+        <p:cNvGrpSpPr/>
+        <p:nvPr/>
+      </p:nvGrpSpPr>
+      <p:grpSpPr/>
+      <p:sp>
+        <p:nvSpPr>
+          <p:cNvPr id="2" name="标题 1"/>
+          <p:cNvSpPr>
+            <a:spLocks noGrp="1"/>
+          </p:cNvSpPr>
+          <p:nvPr>
+            <p:ph type="title"/>
+          </p:nvPr>
+        </p:nvSpPr>
+        <p:spPr/>
+        <p:txBody>
+          <a:bodyPr/>
+          <a:p>
+            <a:r>
+              <a:rPr lang="zh-CN" altLang="en-US"/>
+              <a:t>异常情况</a:t>
+            </a:r>
+            <a:endParaRPr lang="zh-CN" altLang="en-US"/>
+          </a:p>
+        </p:txBody>
+      </p:sp>
+      <p:pic>
+        <p:nvPicPr>
+          <p:cNvPr id="4" name="内容占位符 3"/>
+          <p:cNvPicPr>
+            <a:picLocks noChangeAspect="1"/>
+          </p:cNvPicPr>
+          <p:nvPr>
+            <p:ph idx="1"/>
+          </p:nvPr>
+        </p:nvPicPr>
+        <p:blipFill>
+          <a:blip r:embed="rId1"/>
+          <a:stretch>
+            <a:fillRect/>
+          </a:stretch>
+        </p:blipFill>
+        <p:spPr>
+          <a:xfrm>
+            <a:off x="838200" y="1964055"/>
+            <a:ext cx="3048000" cy="1133475"/>
+          </a:xfrm>
+          <a:prstGeom prst="rect">
+            <a:avLst/>
+          </a:prstGeom>
+        </p:spPr>
+      </p:pic>
+      <p:pic>
+        <p:nvPicPr>
+          <p:cNvPr id="5" name="图片 4"/>
+          <p:cNvPicPr>
+            <a:picLocks noChangeAspect="1"/>
+          </p:cNvPicPr>
+          <p:nvPr/>
+        </p:nvPicPr>
+        <p:blipFill>
+          <a:blip r:embed="rId2"/>
+          <a:stretch>
+            <a:fillRect/>
+          </a:stretch>
+        </p:blipFill>
+        <p:spPr>
+          <a:xfrm>
+            <a:off x="838200" y="4128770"/>
+            <a:ext cx="5607685" cy="2051685"/>
+          </a:xfrm>
+          <a:prstGeom prst="rect">
+            <a:avLst/>
+          </a:prstGeom>
+        </p:spPr>
+      </p:pic>
+    </p:spTree>
+  </p:cSld>
+  <p:clrMapOvr>
+    <a:masterClrMapping/>
+  </p:clrMapOvr>
+</p:sld>
+</file>
+
 <file path=ppt/slides/slide2.xml><?xml version="1.0" encoding="utf-8"?>
 <p:sld xmlns:a="http://schemas.openxmlformats.org/drawingml/2006/main" xmlns:r="http://schemas.openxmlformats.org/officeDocument/2006/relationships" xmlns:p="http://schemas.openxmlformats.org/presentationml/2006/main">
   <p:cSld>
@@ -3062,8 +3156,12 @@
           <a:bodyPr/>
           <a:p>
             <a:r>
+              <a:rPr lang="en-US" altLang="zh-CN"/>
+              <a:t>t</a:t>
+            </a:r>
+            <a:r>
               <a:rPr lang="zh-CN" altLang="en-US"/>
-              <a:t>Transient 关键字</a:t>
+              <a:t>ransient 关键字</a:t>
             </a:r>
             <a:endParaRPr lang="zh-CN" altLang="en-US"/>
           </a:p>
@@ -3086,6 +3184,333 @@
             <a:r>
               <a:rPr lang="zh-CN" altLang="en-US"/>
               <a:t>控制变量的序列化，在变量声明前加上该关键字，可以阻止该变量被序列化到文件中，在被反序列化后，transient 变量的值被设为初始值，如 int 型的是 0，对象型的是 null</a:t>
+            </a:r>
+            <a:endParaRPr lang="zh-CN" altLang="en-US"/>
+          </a:p>
+        </p:txBody>
+      </p:sp>
+    </p:spTree>
+  </p:cSld>
+  <p:clrMapOvr>
+    <a:masterClrMapping/>
+  </p:clrMapOvr>
+</p:sld>
+</file>
+
+<file path=ppt/slides/slide7.xml><?xml version="1.0" encoding="utf-8"?>
+<p:sld xmlns:a="http://schemas.openxmlformats.org/drawingml/2006/main" xmlns:r="http://schemas.openxmlformats.org/officeDocument/2006/relationships" xmlns:p="http://schemas.openxmlformats.org/presentationml/2006/main">
+  <p:cSld>
+    <p:spTree>
+      <p:nvGrpSpPr>
+        <p:cNvPr id="1" name=""/>
+        <p:cNvGrpSpPr/>
+        <p:nvPr/>
+      </p:nvGrpSpPr>
+      <p:grpSpPr/>
+      <p:sp>
+        <p:nvSpPr>
+          <p:cNvPr id="2" name="标题 1"/>
+          <p:cNvSpPr>
+            <a:spLocks noGrp="1"/>
+          </p:cNvSpPr>
+          <p:nvPr>
+            <p:ph type="title"/>
+          </p:nvPr>
+        </p:nvSpPr>
+        <p:spPr/>
+        <p:txBody>
+          <a:bodyPr/>
+          <a:p>
+            <a:r>
+              <a:rPr lang="en-US" altLang="zh-CN"/>
+              <a:t>transient</a:t>
+            </a:r>
+            <a:r>
+              <a:rPr lang="zh-CN" altLang="en-US"/>
+              <a:t>示例</a:t>
+            </a:r>
+            <a:endParaRPr lang="zh-CN" altLang="en-US"/>
+          </a:p>
+        </p:txBody>
+      </p:sp>
+      <p:pic>
+        <p:nvPicPr>
+          <p:cNvPr id="6" name="内容占位符 5"/>
+          <p:cNvPicPr>
+            <a:picLocks noChangeAspect="1"/>
+          </p:cNvPicPr>
+          <p:nvPr>
+            <p:ph idx="1"/>
+          </p:nvPr>
+        </p:nvPicPr>
+        <p:blipFill>
+          <a:blip r:embed="rId1"/>
+          <a:stretch>
+            <a:fillRect/>
+          </a:stretch>
+        </p:blipFill>
+        <p:spPr>
+          <a:xfrm>
+            <a:off x="838200" y="2042795"/>
+            <a:ext cx="4018280" cy="1030605"/>
+          </a:xfrm>
+          <a:prstGeom prst="rect">
+            <a:avLst/>
+          </a:prstGeom>
+        </p:spPr>
+      </p:pic>
+      <p:pic>
+        <p:nvPicPr>
+          <p:cNvPr id="7" name="图片 6"/>
+          <p:cNvPicPr>
+            <a:picLocks noChangeAspect="1"/>
+          </p:cNvPicPr>
+          <p:nvPr/>
+        </p:nvPicPr>
+        <p:blipFill>
+          <a:blip r:embed="rId2"/>
+          <a:stretch>
+            <a:fillRect/>
+          </a:stretch>
+        </p:blipFill>
+        <p:spPr>
+          <a:xfrm>
+            <a:off x="838200" y="3251200"/>
+            <a:ext cx="5230495" cy="2288540"/>
+          </a:xfrm>
+          <a:prstGeom prst="rect">
+            <a:avLst/>
+          </a:prstGeom>
+        </p:spPr>
+      </p:pic>
+      <p:pic>
+        <p:nvPicPr>
+          <p:cNvPr id="8" name="图片 7"/>
+          <p:cNvPicPr>
+            <a:picLocks noChangeAspect="1"/>
+          </p:cNvPicPr>
+          <p:nvPr/>
+        </p:nvPicPr>
+        <p:blipFill>
+          <a:blip r:embed="rId3"/>
+          <a:stretch>
+            <a:fillRect/>
+          </a:stretch>
+        </p:blipFill>
+        <p:spPr>
+          <a:xfrm>
+            <a:off x="8671560" y="2042795"/>
+            <a:ext cx="1790700" cy="904875"/>
+          </a:xfrm>
+          <a:prstGeom prst="rect">
+            <a:avLst/>
+          </a:prstGeom>
+        </p:spPr>
+      </p:pic>
+    </p:spTree>
+  </p:cSld>
+  <p:clrMapOvr>
+    <a:masterClrMapping/>
+  </p:clrMapOvr>
+</p:sld>
+</file>
+
+<file path=ppt/slides/slide8.xml><?xml version="1.0" encoding="utf-8"?>
+<p:sld xmlns:a="http://schemas.openxmlformats.org/drawingml/2006/main" xmlns:r="http://schemas.openxmlformats.org/officeDocument/2006/relationships" xmlns:p="http://schemas.openxmlformats.org/presentationml/2006/main">
+  <p:cSld>
+    <p:spTree>
+      <p:nvGrpSpPr>
+        <p:cNvPr id="1" name=""/>
+        <p:cNvGrpSpPr/>
+        <p:nvPr/>
+      </p:nvGrpSpPr>
+      <p:grpSpPr/>
+      <p:sp>
+        <p:nvSpPr>
+          <p:cNvPr id="2" name="标题 1"/>
+          <p:cNvSpPr>
+            <a:spLocks noGrp="1"/>
+          </p:cNvSpPr>
+          <p:nvPr>
+            <p:ph type="title"/>
+          </p:nvPr>
+        </p:nvSpPr>
+        <p:spPr/>
+        <p:txBody>
+          <a:bodyPr/>
+          <a:p>
+            <a:r>
+              <a:rPr lang="zh-CN" altLang="en-US"/>
+              <a:t>静态变量序列化</a:t>
+            </a:r>
+            <a:r>
+              <a:rPr lang="en-US" altLang="zh-CN"/>
+              <a:t>-</a:t>
+            </a:r>
+            <a:r>
+              <a:rPr lang="zh-CN" altLang="zh-CN"/>
+              <a:t>现象</a:t>
+            </a:r>
+            <a:endParaRPr lang="zh-CN" altLang="zh-CN"/>
+          </a:p>
+        </p:txBody>
+      </p:sp>
+      <p:pic>
+        <p:nvPicPr>
+          <p:cNvPr id="4" name="内容占位符 3"/>
+          <p:cNvPicPr>
+            <a:picLocks noChangeAspect="1"/>
+          </p:cNvPicPr>
+          <p:nvPr>
+            <p:ph idx="1"/>
+          </p:nvPr>
+        </p:nvPicPr>
+        <p:blipFill>
+          <a:blip r:embed="rId1"/>
+          <a:stretch>
+            <a:fillRect/>
+          </a:stretch>
+        </p:blipFill>
+        <p:spPr>
+          <a:xfrm>
+            <a:off x="838200" y="3713480"/>
+            <a:ext cx="6350635" cy="2294890"/>
+          </a:xfrm>
+          <a:prstGeom prst="rect">
+            <a:avLst/>
+          </a:prstGeom>
+        </p:spPr>
+      </p:pic>
+      <p:pic>
+        <p:nvPicPr>
+          <p:cNvPr id="5" name="图片 4"/>
+          <p:cNvPicPr>
+            <a:picLocks noChangeAspect="1"/>
+          </p:cNvPicPr>
+          <p:nvPr/>
+        </p:nvPicPr>
+        <p:blipFill>
+          <a:blip r:embed="rId2"/>
+          <a:stretch>
+            <a:fillRect/>
+          </a:stretch>
+        </p:blipFill>
+        <p:spPr>
+          <a:xfrm>
+            <a:off x="7499350" y="5055870"/>
+            <a:ext cx="4209415" cy="952500"/>
+          </a:xfrm>
+          <a:prstGeom prst="rect">
+            <a:avLst/>
+          </a:prstGeom>
+        </p:spPr>
+      </p:pic>
+      <p:pic>
+        <p:nvPicPr>
+          <p:cNvPr id="6" name="图片 5"/>
+          <p:cNvPicPr>
+            <a:picLocks noChangeAspect="1"/>
+          </p:cNvPicPr>
+          <p:nvPr/>
+        </p:nvPicPr>
+        <p:blipFill>
+          <a:blip r:embed="rId3"/>
+          <a:stretch>
+            <a:fillRect/>
+          </a:stretch>
+        </p:blipFill>
+        <p:spPr>
+          <a:xfrm>
+            <a:off x="838200" y="2296795"/>
+            <a:ext cx="4514215" cy="771525"/>
+          </a:xfrm>
+          <a:prstGeom prst="rect">
+            <a:avLst/>
+          </a:prstGeom>
+        </p:spPr>
+      </p:pic>
+    </p:spTree>
+  </p:cSld>
+  <p:clrMapOvr>
+    <a:masterClrMapping/>
+  </p:clrMapOvr>
+</p:sld>
+</file>
+
+<file path=ppt/slides/slide9.xml><?xml version="1.0" encoding="utf-8"?>
+<p:sld xmlns:a="http://schemas.openxmlformats.org/drawingml/2006/main" xmlns:r="http://schemas.openxmlformats.org/officeDocument/2006/relationships" xmlns:p="http://schemas.openxmlformats.org/presentationml/2006/main">
+  <p:cSld>
+    <p:spTree>
+      <p:nvGrpSpPr>
+        <p:cNvPr id="1" name=""/>
+        <p:cNvGrpSpPr/>
+        <p:nvPr/>
+      </p:nvGrpSpPr>
+      <p:grpSpPr/>
+      <p:sp>
+        <p:nvSpPr>
+          <p:cNvPr id="2" name="标题 1"/>
+          <p:cNvSpPr>
+            <a:spLocks noGrp="1"/>
+          </p:cNvSpPr>
+          <p:nvPr>
+            <p:ph type="title"/>
+          </p:nvPr>
+        </p:nvSpPr>
+        <p:spPr/>
+        <p:txBody>
+          <a:bodyPr>
+            <a:normAutofit/>
+          </a:bodyPr>
+          <a:p>
+            <a:r>
+              <a:rPr lang="zh-CN" altLang="en-US">
+                <a:sym typeface="+mn-ea"/>
+              </a:rPr>
+              <a:t>静态变量序列化</a:t>
+            </a:r>
+            <a:r>
+              <a:rPr lang="en-US" altLang="zh-CN">
+                <a:sym typeface="+mn-ea"/>
+              </a:rPr>
+              <a:t>-</a:t>
+            </a:r>
+            <a:r>
+              <a:rPr lang="zh-CN" altLang="en-US">
+                <a:sym typeface="+mn-ea"/>
+              </a:rPr>
+              <a:t>原因</a:t>
+            </a:r>
+            <a:endParaRPr lang="zh-CN" altLang="en-US">
+              <a:sym typeface="+mn-ea"/>
+            </a:endParaRPr>
+          </a:p>
+        </p:txBody>
+      </p:sp>
+      <p:sp>
+        <p:nvSpPr>
+          <p:cNvPr id="3" name="内容占位符 2"/>
+          <p:cNvSpPr>
+            <a:spLocks noGrp="1"/>
+          </p:cNvSpPr>
+          <p:nvPr>
+            <p:ph idx="1"/>
+          </p:nvPr>
+        </p:nvSpPr>
+        <p:spPr/>
+        <p:txBody>
+          <a:bodyPr/>
+          <a:p>
+            <a:r>
+              <a:rPr lang="zh-CN" altLang="en-US"/>
+              <a:t>在序列化时，不会保存静态变量，因为序列化保存的是对象的状态，静态变量属于类的状态，因此 序列化并不保存静态变量</a:t>
+            </a:r>
+            <a:endParaRPr lang="zh-CN" altLang="en-US"/>
+          </a:p>
+          <a:p>
+            <a:r>
+              <a:rPr lang="zh-CN" altLang="en-US"/>
+              <a:t>变量值变化时立即生效的原因，是因为静态常量放在方法区，只维持一个状态，所以在反序列化后取到的值是刚刚修改过的</a:t>
             </a:r>
             <a:endParaRPr lang="zh-CN" altLang="en-US"/>
           </a:p>

--- a/doc/Java序列化 .pptx
+++ b/doc/Java序列化 .pptx
@@ -10,11 +10,16 @@
     <p:sldId id="258" r:id="rId5"/>
     <p:sldId id="259" r:id="rId6"/>
     <p:sldId id="263" r:id="rId7"/>
-    <p:sldId id="264" r:id="rId8"/>
-    <p:sldId id="265" r:id="rId9"/>
-    <p:sldId id="267" r:id="rId10"/>
-    <p:sldId id="268" r:id="rId11"/>
-    <p:sldId id="266" r:id="rId12"/>
+    <p:sldId id="273" r:id="rId8"/>
+    <p:sldId id="264" r:id="rId9"/>
+    <p:sldId id="265" r:id="rId10"/>
+    <p:sldId id="267" r:id="rId11"/>
+    <p:sldId id="268" r:id="rId12"/>
+    <p:sldId id="269" r:id="rId13"/>
+    <p:sldId id="270" r:id="rId14"/>
+    <p:sldId id="271" r:id="rId15"/>
+    <p:sldId id="272" r:id="rId16"/>
+    <p:sldId id="266" r:id="rId17"/>
   </p:sldIdLst>
   <p:sldSz cx="12192000" cy="6858000"/>
   <p:notesSz cx="7103745" cy="10234295"/>
@@ -2707,11 +2712,594 @@
         </p:nvSpPr>
         <p:spPr/>
         <p:txBody>
+          <a:bodyPr>
+            <a:normAutofit/>
+          </a:bodyPr>
+          <a:p>
+            <a:r>
+              <a:rPr lang="zh-CN" altLang="en-US">
+                <a:sym typeface="+mn-ea"/>
+              </a:rPr>
+              <a:t>静态变量序列化</a:t>
+            </a:r>
+            <a:r>
+              <a:rPr lang="en-US" altLang="zh-CN">
+                <a:sym typeface="+mn-ea"/>
+              </a:rPr>
+              <a:t>-</a:t>
+            </a:r>
+            <a:r>
+              <a:rPr lang="zh-CN" altLang="en-US">
+                <a:sym typeface="+mn-ea"/>
+              </a:rPr>
+              <a:t>原因</a:t>
+            </a:r>
+            <a:endParaRPr lang="zh-CN" altLang="en-US">
+              <a:sym typeface="+mn-ea"/>
+            </a:endParaRPr>
+          </a:p>
+        </p:txBody>
+      </p:sp>
+      <p:sp>
+        <p:nvSpPr>
+          <p:cNvPr id="3" name="内容占位符 2"/>
+          <p:cNvSpPr>
+            <a:spLocks noGrp="1"/>
+          </p:cNvSpPr>
+          <p:nvPr>
+            <p:ph idx="1"/>
+          </p:nvPr>
+        </p:nvSpPr>
+        <p:spPr/>
+        <p:txBody>
+          <a:bodyPr/>
+          <a:p>
+            <a:r>
+              <a:rPr lang="zh-CN" altLang="en-US"/>
+              <a:t>在序列化时，不会保存静态变量，因为序列化保存的是对象的状态，静态变量属于类的状态，因此 序列化并不保存静态变量</a:t>
+            </a:r>
+            <a:endParaRPr lang="zh-CN" altLang="en-US"/>
+          </a:p>
+          <a:p>
+            <a:r>
+              <a:rPr lang="zh-CN" altLang="en-US"/>
+              <a:t>变量值变化时立即生效的原因，是因为静态常量放在方法区，只维持一个状态，所以在反序列化后取到的值是刚刚修改过的</a:t>
+            </a:r>
+            <a:endParaRPr lang="zh-CN" altLang="en-US"/>
+          </a:p>
+        </p:txBody>
+      </p:sp>
+    </p:spTree>
+  </p:cSld>
+  <p:clrMapOvr>
+    <a:masterClrMapping/>
+  </p:clrMapOvr>
+</p:sld>
+</file>
+
+<file path=ppt/slides/slide11.xml><?xml version="1.0" encoding="utf-8"?>
+<p:sld xmlns:a="http://schemas.openxmlformats.org/drawingml/2006/main" xmlns:r="http://schemas.openxmlformats.org/officeDocument/2006/relationships" xmlns:p="http://schemas.openxmlformats.org/presentationml/2006/main">
+  <p:cSld>
+    <p:spTree>
+      <p:nvGrpSpPr>
+        <p:cNvPr id="1" name=""/>
+        <p:cNvGrpSpPr/>
+        <p:nvPr/>
+      </p:nvGrpSpPr>
+      <p:grpSpPr/>
+      <p:sp>
+        <p:nvSpPr>
+          <p:cNvPr id="2" name="标题 1"/>
+          <p:cNvSpPr>
+            <a:spLocks noGrp="1"/>
+          </p:cNvSpPr>
+          <p:nvPr>
+            <p:ph type="title"/>
+          </p:nvPr>
+        </p:nvSpPr>
+        <p:spPr/>
+        <p:txBody>
+          <a:bodyPr/>
+          <a:p>
+            <a:r>
+              <a:rPr lang="en-US" altLang="zh-CN"/>
+              <a:t>父类的序列化-</a:t>
+            </a:r>
+            <a:r>
+              <a:rPr lang="zh-CN" altLang="zh-CN"/>
+              <a:t>现象</a:t>
+            </a:r>
+            <a:endParaRPr lang="zh-CN" altLang="zh-CN"/>
+          </a:p>
+        </p:txBody>
+      </p:sp>
+      <p:pic>
+        <p:nvPicPr>
+          <p:cNvPr id="4" name="内容占位符 3"/>
+          <p:cNvPicPr>
+            <a:picLocks noChangeAspect="1"/>
+          </p:cNvPicPr>
+          <p:nvPr>
+            <p:ph idx="1"/>
+          </p:nvPr>
+        </p:nvPicPr>
+        <p:blipFill>
+          <a:blip r:embed="rId1"/>
+          <a:stretch>
+            <a:fillRect/>
+          </a:stretch>
+        </p:blipFill>
+        <p:spPr>
+          <a:xfrm>
+            <a:off x="770255" y="3261360"/>
+            <a:ext cx="5153025" cy="2886075"/>
+          </a:xfrm>
+          <a:prstGeom prst="rect">
+            <a:avLst/>
+          </a:prstGeom>
+        </p:spPr>
+      </p:pic>
+      <p:pic>
+        <p:nvPicPr>
+          <p:cNvPr id="5" name="图片 4"/>
+          <p:cNvPicPr>
+            <a:picLocks noChangeAspect="1"/>
+          </p:cNvPicPr>
+          <p:nvPr/>
+        </p:nvPicPr>
+        <p:blipFill>
+          <a:blip r:embed="rId2"/>
+          <a:stretch>
+            <a:fillRect/>
+          </a:stretch>
+        </p:blipFill>
+        <p:spPr>
+          <a:xfrm>
+            <a:off x="6734175" y="1691005"/>
+            <a:ext cx="1971675" cy="942975"/>
+          </a:xfrm>
+          <a:prstGeom prst="rect">
+            <a:avLst/>
+          </a:prstGeom>
+        </p:spPr>
+      </p:pic>
+      <p:pic>
+        <p:nvPicPr>
+          <p:cNvPr id="6" name="图片 5"/>
+          <p:cNvPicPr>
+            <a:picLocks noChangeAspect="1"/>
+          </p:cNvPicPr>
+          <p:nvPr/>
+        </p:nvPicPr>
+        <p:blipFill>
+          <a:blip r:embed="rId3"/>
+          <a:stretch>
+            <a:fillRect/>
+          </a:stretch>
+        </p:blipFill>
+        <p:spPr>
+          <a:xfrm>
+            <a:off x="6734175" y="3110865"/>
+            <a:ext cx="4618990" cy="752475"/>
+          </a:xfrm>
+          <a:prstGeom prst="rect">
+            <a:avLst/>
+          </a:prstGeom>
+        </p:spPr>
+      </p:pic>
+      <p:pic>
+        <p:nvPicPr>
+          <p:cNvPr id="7" name="图片 6"/>
+          <p:cNvPicPr>
+            <a:picLocks noChangeAspect="1"/>
+          </p:cNvPicPr>
+          <p:nvPr/>
+        </p:nvPicPr>
+        <p:blipFill>
+          <a:blip r:embed="rId4"/>
+          <a:stretch>
+            <a:fillRect/>
+          </a:stretch>
+        </p:blipFill>
+        <p:spPr>
+          <a:xfrm>
+            <a:off x="6734175" y="4480560"/>
+            <a:ext cx="4047490" cy="1666875"/>
+          </a:xfrm>
+          <a:prstGeom prst="rect">
+            <a:avLst/>
+          </a:prstGeom>
+        </p:spPr>
+      </p:pic>
+      <p:sp>
+        <p:nvSpPr>
+          <p:cNvPr id="8" name="文本框 7"/>
+          <p:cNvSpPr txBox="1"/>
+          <p:nvPr/>
+        </p:nvSpPr>
+        <p:spPr>
+          <a:xfrm>
+            <a:off x="1053465" y="1779905"/>
+            <a:ext cx="5220970" cy="1198880"/>
+          </a:xfrm>
+          <a:prstGeom prst="rect">
+            <a:avLst/>
+          </a:prstGeom>
+          <a:noFill/>
+        </p:spPr>
+        <p:txBody>
+          <a:bodyPr wrap="square" rtlCol="0">
+            <a:spAutoFit/>
+          </a:bodyPr>
+          <a:p>
+            <a:r>
+              <a:rPr lang="zh-CN" altLang="en-US"/>
+              <a:t>一个子类实现了 Serializable 接口，它的父类都没有实现 Serializable 接口，序列化该子类对象，然后反序列化后输出父类定义的某变量的数值，该变量数值与序列化时的数值不同</a:t>
+            </a:r>
+            <a:endParaRPr lang="zh-CN" altLang="en-US"/>
+          </a:p>
+        </p:txBody>
+      </p:sp>
+    </p:spTree>
+  </p:cSld>
+  <p:clrMapOvr>
+    <a:masterClrMapping/>
+  </p:clrMapOvr>
+</p:sld>
+</file>
+
+<file path=ppt/slides/slide12.xml><?xml version="1.0" encoding="utf-8"?>
+<p:sld xmlns:a="http://schemas.openxmlformats.org/drawingml/2006/main" xmlns:r="http://schemas.openxmlformats.org/officeDocument/2006/relationships" xmlns:p="http://schemas.openxmlformats.org/presentationml/2006/main">
+  <p:cSld>
+    <p:spTree>
+      <p:nvGrpSpPr>
+        <p:cNvPr id="1" name=""/>
+        <p:cNvGrpSpPr/>
+        <p:nvPr/>
+      </p:nvGrpSpPr>
+      <p:grpSpPr/>
+      <p:sp>
+        <p:nvSpPr>
+          <p:cNvPr id="2" name="标题 1"/>
+          <p:cNvSpPr>
+            <a:spLocks noGrp="1"/>
+          </p:cNvSpPr>
+          <p:nvPr>
+            <p:ph type="title"/>
+          </p:nvPr>
+        </p:nvSpPr>
+        <p:spPr/>
+        <p:txBody>
+          <a:bodyPr/>
+          <a:p>
+            <a:r>
+              <a:rPr lang="en-US" altLang="zh-CN">
+                <a:sym typeface="+mn-ea"/>
+              </a:rPr>
+              <a:t>父类的序列化</a:t>
+            </a:r>
+            <a:r>
+              <a:rPr lang="en-US" altLang="zh-CN"/>
+              <a:t>-</a:t>
+            </a:r>
+            <a:r>
+              <a:rPr lang="zh-CN" altLang="en-US"/>
+              <a:t>原因</a:t>
+            </a:r>
+            <a:endParaRPr lang="zh-CN" altLang="en-US"/>
+          </a:p>
+        </p:txBody>
+      </p:sp>
+      <p:sp>
+        <p:nvSpPr>
+          <p:cNvPr id="3" name="内容占位符 2"/>
+          <p:cNvSpPr>
+            <a:spLocks noGrp="1"/>
+          </p:cNvSpPr>
+          <p:nvPr>
+            <p:ph idx="1"/>
+          </p:nvPr>
+        </p:nvSpPr>
+        <p:spPr/>
+        <p:txBody>
+          <a:bodyPr/>
+          <a:p>
+            <a:r>
+              <a:rPr lang="zh-CN" altLang="en-US"/>
+              <a:t>父类没有实现</a:t>
+            </a:r>
+            <a:r>
+              <a:rPr lang="en-US" altLang="zh-CN"/>
+              <a:t>Serializable</a:t>
+            </a:r>
+            <a:r>
+              <a:rPr lang="zh-CN" altLang="en-US"/>
+              <a:t>接口，虚拟机不会对父类进行序列化，而</a:t>
+            </a:r>
+            <a:r>
+              <a:rPr lang="en-US" altLang="zh-CN"/>
+              <a:t>java</a:t>
+            </a:r>
+            <a:r>
+              <a:rPr lang="zh-CN" altLang="en-US"/>
+              <a:t>对象的构造必须现有父对象，再有子对象，所以在反序列化时，会去调用父类的无参构造函数，所以我们取父类中定义的属性（</a:t>
+            </a:r>
+            <a:r>
+              <a:rPr lang="en-US" altLang="zh-CN"/>
+              <a:t>id</a:t>
+            </a:r>
+            <a:r>
+              <a:rPr lang="zh-CN" altLang="en-US"/>
+              <a:t>）时，是调用父类无参构造函数后的值。</a:t>
+            </a:r>
+            <a:endParaRPr lang="zh-CN" altLang="en-US"/>
+          </a:p>
+        </p:txBody>
+      </p:sp>
+    </p:spTree>
+  </p:cSld>
+  <p:clrMapOvr>
+    <a:masterClrMapping/>
+  </p:clrMapOvr>
+</p:sld>
+</file>
+
+<file path=ppt/slides/slide13.xml><?xml version="1.0" encoding="utf-8"?>
+<p:sld xmlns:a="http://schemas.openxmlformats.org/drawingml/2006/main" xmlns:r="http://schemas.openxmlformats.org/officeDocument/2006/relationships" xmlns:p="http://schemas.openxmlformats.org/presentationml/2006/main">
+  <p:cSld>
+    <p:spTree>
+      <p:nvGrpSpPr>
+        <p:cNvPr id="1" name=""/>
+        <p:cNvGrpSpPr/>
+        <p:nvPr/>
+      </p:nvGrpSpPr>
+      <p:grpSpPr/>
+      <p:sp>
+        <p:nvSpPr>
+          <p:cNvPr id="2" name="标题 1"/>
+          <p:cNvSpPr>
+            <a:spLocks noGrp="1"/>
+          </p:cNvSpPr>
+          <p:nvPr>
+            <p:ph type="title"/>
+          </p:nvPr>
+        </p:nvSpPr>
+        <p:spPr/>
+        <p:txBody>
+          <a:bodyPr/>
+          <a:p>
+            <a:r>
+              <a:rPr lang="zh-CN" altLang="en-US"/>
+              <a:t>序列化存储规则</a:t>
+            </a:r>
+            <a:r>
+              <a:rPr lang="en-US" altLang="zh-CN"/>
+              <a:t>-</a:t>
+            </a:r>
+            <a:r>
+              <a:rPr lang="zh-CN" altLang="en-US"/>
+              <a:t>现象</a:t>
+            </a:r>
+            <a:endParaRPr lang="zh-CN" altLang="en-US"/>
+          </a:p>
+        </p:txBody>
+      </p:sp>
+      <p:pic>
+        <p:nvPicPr>
+          <p:cNvPr id="4" name="内容占位符 3"/>
+          <p:cNvPicPr>
+            <a:picLocks noChangeAspect="1"/>
+          </p:cNvPicPr>
+          <p:nvPr>
+            <p:ph idx="1"/>
+          </p:nvPr>
+        </p:nvPicPr>
+        <p:blipFill>
+          <a:blip r:embed="rId1"/>
+          <a:stretch>
+            <a:fillRect/>
+          </a:stretch>
+        </p:blipFill>
+        <p:spPr>
+          <a:xfrm>
+            <a:off x="6328410" y="365125"/>
+            <a:ext cx="5819775" cy="3667125"/>
+          </a:xfrm>
+          <a:prstGeom prst="rect">
+            <a:avLst/>
+          </a:prstGeom>
+        </p:spPr>
+      </p:pic>
+      <p:pic>
+        <p:nvPicPr>
+          <p:cNvPr id="5" name="图片 4"/>
+          <p:cNvPicPr>
+            <a:picLocks noChangeAspect="1"/>
+          </p:cNvPicPr>
+          <p:nvPr/>
+        </p:nvPicPr>
+        <p:blipFill>
+          <a:blip r:embed="rId2"/>
+          <a:stretch>
+            <a:fillRect/>
+          </a:stretch>
+        </p:blipFill>
+        <p:spPr>
+          <a:xfrm>
+            <a:off x="7200265" y="4406265"/>
+            <a:ext cx="4076065" cy="1485900"/>
+          </a:xfrm>
+          <a:prstGeom prst="rect">
+            <a:avLst/>
+          </a:prstGeom>
+        </p:spPr>
+      </p:pic>
+      <p:sp>
+        <p:nvSpPr>
+          <p:cNvPr id="6" name="文本框 5"/>
+          <p:cNvSpPr txBox="1"/>
+          <p:nvPr/>
+        </p:nvSpPr>
+        <p:spPr>
+          <a:xfrm>
+            <a:off x="656590" y="1948815"/>
+            <a:ext cx="4312285" cy="1198880"/>
+          </a:xfrm>
+          <a:prstGeom prst="rect">
+            <a:avLst/>
+          </a:prstGeom>
+          <a:noFill/>
+        </p:spPr>
+        <p:txBody>
+          <a:bodyPr wrap="square" rtlCol="0">
+            <a:spAutoFit/>
+          </a:bodyPr>
+          <a:p>
+            <a:r>
+              <a:rPr lang="zh-CN" altLang="en-US"/>
+              <a:t>同一对象两次写入文件，打印出写入一次对象后的存储大小和写入两次后的存储大小，然后从文件中反序列化出两个对象，比较这两个对象是否为同一对象。</a:t>
+            </a:r>
+            <a:endParaRPr lang="zh-CN" altLang="en-US"/>
+          </a:p>
+        </p:txBody>
+      </p:sp>
+    </p:spTree>
+  </p:cSld>
+  <p:clrMapOvr>
+    <a:masterClrMapping/>
+  </p:clrMapOvr>
+</p:sld>
+</file>
+
+<file path=ppt/slides/slide14.xml><?xml version="1.0" encoding="utf-8"?>
+<p:sld xmlns:a="http://schemas.openxmlformats.org/drawingml/2006/main" xmlns:r="http://schemas.openxmlformats.org/officeDocument/2006/relationships" xmlns:p="http://schemas.openxmlformats.org/presentationml/2006/main">
+  <p:cSld>
+    <p:spTree>
+      <p:nvGrpSpPr>
+        <p:cNvPr id="1" name=""/>
+        <p:cNvGrpSpPr/>
+        <p:nvPr/>
+      </p:nvGrpSpPr>
+      <p:grpSpPr/>
+      <p:sp>
+        <p:nvSpPr>
+          <p:cNvPr id="2" name="标题 1"/>
+          <p:cNvSpPr>
+            <a:spLocks noGrp="1"/>
+          </p:cNvSpPr>
+          <p:nvPr>
+            <p:ph type="title"/>
+          </p:nvPr>
+        </p:nvSpPr>
+        <p:spPr/>
+        <p:txBody>
+          <a:bodyPr/>
+          <a:p>
+            <a:r>
+              <a:rPr lang="zh-CN" altLang="en-US">
+                <a:sym typeface="+mn-ea"/>
+              </a:rPr>
+              <a:t>序列化存储规则</a:t>
+            </a:r>
+            <a:r>
+              <a:rPr lang="en-US" altLang="zh-CN">
+                <a:sym typeface="+mn-ea"/>
+              </a:rPr>
+              <a:t>-</a:t>
+            </a:r>
+            <a:r>
+              <a:rPr lang="zh-CN" altLang="en-US">
+                <a:sym typeface="+mn-ea"/>
+              </a:rPr>
+              <a:t>原因</a:t>
+            </a:r>
+            <a:endParaRPr lang="zh-CN" altLang="en-US">
+              <a:sym typeface="+mn-ea"/>
+            </a:endParaRPr>
+          </a:p>
+        </p:txBody>
+      </p:sp>
+      <p:sp>
+        <p:nvSpPr>
+          <p:cNvPr id="3" name="内容占位符 2"/>
+          <p:cNvSpPr>
+            <a:spLocks noGrp="1"/>
+          </p:cNvSpPr>
+          <p:nvPr>
+            <p:ph idx="1"/>
+          </p:nvPr>
+        </p:nvSpPr>
+        <p:spPr/>
+        <p:txBody>
+          <a:bodyPr/>
+          <a:p>
+            <a:r>
+              <a:rPr lang="zh-CN" altLang="en-US"/>
+              <a:t>Java 序列化机制为了节省磁盘空间，当写入文件的为同一对象时，并不会再将对象的内容进行存储，而只是再次存储一份引用，上面增加的 5 字节的存储空间就是新增引用和一些控制信息的空间，反序列化时，恢复引用关系，使得</a:t>
+            </a:r>
+            <a:r>
+              <a:rPr lang="en-US" altLang="zh-CN"/>
+              <a:t>p</a:t>
+            </a:r>
+            <a:r>
+              <a:rPr lang="zh-CN" altLang="en-US"/>
+              <a:t>1 和 </a:t>
+            </a:r>
+            <a:r>
+              <a:rPr lang="en-US" altLang="zh-CN"/>
+              <a:t>p</a:t>
+            </a:r>
+            <a:r>
+              <a:rPr lang="zh-CN" altLang="en-US"/>
+              <a:t>2 指向同一对象，二者相等，输出 true。该存储规则极大的节省了存储空间。</a:t>
+            </a:r>
+            <a:endParaRPr lang="zh-CN" altLang="en-US"/>
+          </a:p>
+        </p:txBody>
+      </p:sp>
+    </p:spTree>
+  </p:cSld>
+  <p:clrMapOvr>
+    <a:masterClrMapping/>
+  </p:clrMapOvr>
+</p:sld>
+</file>
+
+<file path=ppt/slides/slide15.xml><?xml version="1.0" encoding="utf-8"?>
+<p:sld xmlns:a="http://schemas.openxmlformats.org/drawingml/2006/main" xmlns:r="http://schemas.openxmlformats.org/officeDocument/2006/relationships" xmlns:p="http://schemas.openxmlformats.org/presentationml/2006/main">
+  <p:cSld>
+    <p:spTree>
+      <p:nvGrpSpPr>
+        <p:cNvPr id="1" name=""/>
+        <p:cNvGrpSpPr/>
+        <p:nvPr/>
+      </p:nvGrpSpPr>
+      <p:grpSpPr/>
+      <p:sp>
+        <p:nvSpPr>
+          <p:cNvPr id="2" name="标题 1"/>
+          <p:cNvSpPr>
+            <a:spLocks noGrp="1"/>
+          </p:cNvSpPr>
+          <p:nvPr>
+            <p:ph type="title"/>
+          </p:nvPr>
+        </p:nvSpPr>
+        <p:spPr/>
+        <p:txBody>
           <a:bodyPr/>
           <a:p>
             <a:r>
               <a:rPr lang="zh-CN" altLang="en-US"/>
               <a:t>异常情况</a:t>
+            </a:r>
+            <a:r>
+              <a:rPr lang="en-US" altLang="zh-CN"/>
+              <a:t>-</a:t>
+            </a:r>
+            <a:r>
+              <a:rPr lang="zh-CN" altLang="en-US"/>
+              <a:t>未实现序列化接口</a:t>
             </a:r>
             <a:endParaRPr lang="zh-CN" altLang="en-US"/>
           </a:p>
@@ -3123,6 +3711,139 @@
           </a:p>
         </p:txBody>
       </p:sp>
+      <p:sp>
+        <p:nvSpPr>
+          <p:cNvPr id="3" name="文本框 2"/>
+          <p:cNvSpPr txBox="1"/>
+          <p:nvPr/>
+        </p:nvSpPr>
+        <p:spPr>
+          <a:xfrm>
+            <a:off x="1159510" y="1605280"/>
+            <a:ext cx="8450580" cy="645160"/>
+          </a:xfrm>
+          <a:prstGeom prst="rect">
+            <a:avLst/>
+          </a:prstGeom>
+          <a:noFill/>
+        </p:spPr>
+        <p:txBody>
+          <a:bodyPr wrap="square" rtlCol="0">
+            <a:spAutoFit/>
+          </a:bodyPr>
+          <a:p>
+            <a:r>
+              <a:rPr lang="zh-CN" altLang="en-US"/>
+              <a:t>RMI（</a:t>
+            </a:r>
+            <a:r>
+              <a:rPr lang="en-US" altLang="zh-CN"/>
+              <a:t>remote method invoke</a:t>
+            </a:r>
+            <a:r>
+              <a:rPr lang="zh-CN" altLang="en-US"/>
+              <a:t>） 技术是完全基于 Java 序列化技术的，服务器端接口调用所需要的参数对象来至于客户端，它们通过网络相互传输。</a:t>
+            </a:r>
+            <a:endParaRPr lang="zh-CN" altLang="en-US"/>
+          </a:p>
+        </p:txBody>
+      </p:sp>
+      <p:pic>
+        <p:nvPicPr>
+          <p:cNvPr id="4" name="图片 3"/>
+          <p:cNvPicPr>
+            <a:picLocks noChangeAspect="1"/>
+          </p:cNvPicPr>
+          <p:nvPr/>
+        </p:nvPicPr>
+        <p:blipFill>
+          <a:blip r:embed="rId1"/>
+          <a:stretch>
+            <a:fillRect/>
+          </a:stretch>
+        </p:blipFill>
+        <p:spPr>
+          <a:xfrm>
+            <a:off x="838200" y="2442845"/>
+            <a:ext cx="3790315" cy="1971675"/>
+          </a:xfrm>
+          <a:prstGeom prst="rect">
+            <a:avLst/>
+          </a:prstGeom>
+        </p:spPr>
+      </p:pic>
+      <p:pic>
+        <p:nvPicPr>
+          <p:cNvPr id="5" name="图片 4"/>
+          <p:cNvPicPr>
+            <a:picLocks noChangeAspect="1"/>
+          </p:cNvPicPr>
+          <p:nvPr/>
+        </p:nvPicPr>
+        <p:blipFill>
+          <a:blip r:embed="rId2"/>
+          <a:stretch>
+            <a:fillRect/>
+          </a:stretch>
+        </p:blipFill>
+        <p:spPr>
+          <a:xfrm>
+            <a:off x="5239385" y="2762250"/>
+            <a:ext cx="6114415" cy="1333500"/>
+          </a:xfrm>
+          <a:prstGeom prst="rect">
+            <a:avLst/>
+          </a:prstGeom>
+        </p:spPr>
+      </p:pic>
+      <p:pic>
+        <p:nvPicPr>
+          <p:cNvPr id="7" name="图片 6"/>
+          <p:cNvPicPr>
+            <a:picLocks noChangeAspect="1"/>
+          </p:cNvPicPr>
+          <p:nvPr/>
+        </p:nvPicPr>
+        <p:blipFill>
+          <a:blip r:embed="rId3"/>
+          <a:stretch>
+            <a:fillRect/>
+          </a:stretch>
+        </p:blipFill>
+        <p:spPr>
+          <a:xfrm>
+            <a:off x="5386070" y="4414520"/>
+            <a:ext cx="6004560" cy="2113915"/>
+          </a:xfrm>
+          <a:prstGeom prst="rect">
+            <a:avLst/>
+          </a:prstGeom>
+        </p:spPr>
+      </p:pic>
+      <p:pic>
+        <p:nvPicPr>
+          <p:cNvPr id="8" name="图片 7"/>
+          <p:cNvPicPr>
+            <a:picLocks noChangeAspect="1"/>
+          </p:cNvPicPr>
+          <p:nvPr/>
+        </p:nvPicPr>
+        <p:blipFill>
+          <a:blip r:embed="rId4"/>
+          <a:stretch>
+            <a:fillRect/>
+          </a:stretch>
+        </p:blipFill>
+        <p:spPr>
+          <a:xfrm>
+            <a:off x="618490" y="5196840"/>
+            <a:ext cx="5126990" cy="1059815"/>
+          </a:xfrm>
+          <a:prstGeom prst="rect">
+            <a:avLst/>
+          </a:prstGeom>
+        </p:spPr>
+      </p:pic>
     </p:spTree>
   </p:cSld>
   <p:clrMapOvr>
@@ -3141,54 +3862,126 @@
         <p:nvPr/>
       </p:nvGrpSpPr>
       <p:grpSpPr/>
-      <p:sp>
-        <p:nvSpPr>
-          <p:cNvPr id="2" name="标题 1"/>
-          <p:cNvSpPr>
-            <a:spLocks noGrp="1"/>
-          </p:cNvSpPr>
-          <p:nvPr>
-            <p:ph type="title"/>
-          </p:nvPr>
-        </p:nvSpPr>
-        <p:spPr/>
-        <p:txBody>
-          <a:bodyPr/>
-          <a:p>
-            <a:r>
-              <a:rPr lang="en-US" altLang="zh-CN"/>
-              <a:t>t</a:t>
-            </a:r>
-            <a:r>
-              <a:rPr lang="zh-CN" altLang="en-US"/>
-              <a:t>ransient 关键字</a:t>
-            </a:r>
-            <a:endParaRPr lang="zh-CN" altLang="en-US"/>
-          </a:p>
-        </p:txBody>
-      </p:sp>
-      <p:sp>
-        <p:nvSpPr>
-          <p:cNvPr id="3" name="内容占位符 2"/>
-          <p:cNvSpPr>
-            <a:spLocks noGrp="1"/>
-          </p:cNvSpPr>
-          <p:nvPr>
-            <p:ph idx="1"/>
-          </p:nvPr>
-        </p:nvSpPr>
-        <p:spPr/>
-        <p:txBody>
-          <a:bodyPr/>
-          <a:p>
-            <a:r>
-              <a:rPr lang="zh-CN" altLang="en-US"/>
-              <a:t>控制变量的序列化，在变量声明前加上该关键字，可以阻止该变量被序列化到文件中，在被反序列化后，transient 变量的值被设为初始值，如 int 型的是 0，对象型的是 null</a:t>
-            </a:r>
-            <a:endParaRPr lang="zh-CN" altLang="en-US"/>
-          </a:p>
-        </p:txBody>
-      </p:sp>
+      <p:pic>
+        <p:nvPicPr>
+          <p:cNvPr id="2" name="图片 1"/>
+          <p:cNvPicPr>
+            <a:picLocks noChangeAspect="1"/>
+          </p:cNvPicPr>
+          <p:nvPr/>
+        </p:nvPicPr>
+        <p:blipFill>
+          <a:blip r:embed="rId1"/>
+          <a:stretch>
+            <a:fillRect/>
+          </a:stretch>
+        </p:blipFill>
+        <p:spPr>
+          <a:xfrm>
+            <a:off x="5225415" y="347345"/>
+            <a:ext cx="6120765" cy="3366135"/>
+          </a:xfrm>
+          <a:prstGeom prst="rect">
+            <a:avLst/>
+          </a:prstGeom>
+        </p:spPr>
+      </p:pic>
+      <p:pic>
+        <p:nvPicPr>
+          <p:cNvPr id="3" name="图片 2"/>
+          <p:cNvPicPr>
+            <a:picLocks noChangeAspect="1"/>
+          </p:cNvPicPr>
+          <p:nvPr/>
+        </p:nvPicPr>
+        <p:blipFill>
+          <a:blip r:embed="rId2"/>
+          <a:stretch>
+            <a:fillRect/>
+          </a:stretch>
+        </p:blipFill>
+        <p:spPr>
+          <a:xfrm>
+            <a:off x="456565" y="268605"/>
+            <a:ext cx="2413635" cy="1852930"/>
+          </a:xfrm>
+          <a:prstGeom prst="rect">
+            <a:avLst/>
+          </a:prstGeom>
+        </p:spPr>
+      </p:pic>
+      <p:pic>
+        <p:nvPicPr>
+          <p:cNvPr id="4" name="图片 3"/>
+          <p:cNvPicPr>
+            <a:picLocks noChangeAspect="1"/>
+          </p:cNvPicPr>
+          <p:nvPr/>
+        </p:nvPicPr>
+        <p:blipFill>
+          <a:blip r:embed="rId3"/>
+          <a:stretch>
+            <a:fillRect/>
+          </a:stretch>
+        </p:blipFill>
+        <p:spPr>
+          <a:xfrm>
+            <a:off x="5970270" y="3898900"/>
+            <a:ext cx="4630420" cy="2844800"/>
+          </a:xfrm>
+          <a:prstGeom prst="rect">
+            <a:avLst/>
+          </a:prstGeom>
+        </p:spPr>
+      </p:pic>
+      <p:pic>
+        <p:nvPicPr>
+          <p:cNvPr id="5" name="图片 4"/>
+          <p:cNvPicPr>
+            <a:picLocks noChangeAspect="1"/>
+          </p:cNvPicPr>
+          <p:nvPr/>
+        </p:nvPicPr>
+        <p:blipFill>
+          <a:blip r:embed="rId4"/>
+          <a:stretch>
+            <a:fillRect/>
+          </a:stretch>
+        </p:blipFill>
+        <p:spPr>
+          <a:xfrm>
+            <a:off x="456565" y="2847975"/>
+            <a:ext cx="2971165" cy="1743075"/>
+          </a:xfrm>
+          <a:prstGeom prst="rect">
+            <a:avLst/>
+          </a:prstGeom>
+        </p:spPr>
+      </p:pic>
+      <p:pic>
+        <p:nvPicPr>
+          <p:cNvPr id="6" name="图片 5"/>
+          <p:cNvPicPr>
+            <a:picLocks noChangeAspect="1"/>
+          </p:cNvPicPr>
+          <p:nvPr/>
+        </p:nvPicPr>
+        <p:blipFill>
+          <a:blip r:embed="rId5"/>
+          <a:stretch>
+            <a:fillRect/>
+          </a:stretch>
+        </p:blipFill>
+        <p:spPr>
+          <a:xfrm>
+            <a:off x="456565" y="5602605"/>
+            <a:ext cx="4180840" cy="971550"/>
+          </a:xfrm>
+          <a:prstGeom prst="rect">
+            <a:avLst/>
+          </a:prstGeom>
+        </p:spPr>
+      </p:pic>
     </p:spTree>
   </p:cSld>
   <p:clrMapOvr>
@@ -3223,90 +4016,38 @@
           <a:p>
             <a:r>
               <a:rPr lang="en-US" altLang="zh-CN"/>
-              <a:t>transient</a:t>
+              <a:t>t</a:t>
             </a:r>
             <a:r>
               <a:rPr lang="zh-CN" altLang="en-US"/>
-              <a:t>示例</a:t>
-            </a:r>
-            <a:endParaRPr lang="zh-CN" altLang="en-US"/>
-          </a:p>
-        </p:txBody>
-      </p:sp>
-      <p:pic>
-        <p:nvPicPr>
-          <p:cNvPr id="6" name="内容占位符 5"/>
-          <p:cNvPicPr>
-            <a:picLocks noChangeAspect="1"/>
-          </p:cNvPicPr>
+              <a:t>ransient 关键字</a:t>
+            </a:r>
+            <a:endParaRPr lang="zh-CN" altLang="en-US"/>
+          </a:p>
+        </p:txBody>
+      </p:sp>
+      <p:sp>
+        <p:nvSpPr>
+          <p:cNvPr id="3" name="内容占位符 2"/>
+          <p:cNvSpPr>
+            <a:spLocks noGrp="1"/>
+          </p:cNvSpPr>
           <p:nvPr>
             <p:ph idx="1"/>
           </p:nvPr>
-        </p:nvPicPr>
-        <p:blipFill>
-          <a:blip r:embed="rId1"/>
-          <a:stretch>
-            <a:fillRect/>
-          </a:stretch>
-        </p:blipFill>
-        <p:spPr>
-          <a:xfrm>
-            <a:off x="838200" y="2042795"/>
-            <a:ext cx="4018280" cy="1030605"/>
-          </a:xfrm>
-          <a:prstGeom prst="rect">
-            <a:avLst/>
-          </a:prstGeom>
-        </p:spPr>
-      </p:pic>
-      <p:pic>
-        <p:nvPicPr>
-          <p:cNvPr id="7" name="图片 6"/>
-          <p:cNvPicPr>
-            <a:picLocks noChangeAspect="1"/>
-          </p:cNvPicPr>
-          <p:nvPr/>
-        </p:nvPicPr>
-        <p:blipFill>
-          <a:blip r:embed="rId2"/>
-          <a:stretch>
-            <a:fillRect/>
-          </a:stretch>
-        </p:blipFill>
-        <p:spPr>
-          <a:xfrm>
-            <a:off x="838200" y="3251200"/>
-            <a:ext cx="5230495" cy="2288540"/>
-          </a:xfrm>
-          <a:prstGeom prst="rect">
-            <a:avLst/>
-          </a:prstGeom>
-        </p:spPr>
-      </p:pic>
-      <p:pic>
-        <p:nvPicPr>
-          <p:cNvPr id="8" name="图片 7"/>
-          <p:cNvPicPr>
-            <a:picLocks noChangeAspect="1"/>
-          </p:cNvPicPr>
-          <p:nvPr/>
-        </p:nvPicPr>
-        <p:blipFill>
-          <a:blip r:embed="rId3"/>
-          <a:stretch>
-            <a:fillRect/>
-          </a:stretch>
-        </p:blipFill>
-        <p:spPr>
-          <a:xfrm>
-            <a:off x="8671560" y="2042795"/>
-            <a:ext cx="1790700" cy="904875"/>
-          </a:xfrm>
-          <a:prstGeom prst="rect">
-            <a:avLst/>
-          </a:prstGeom>
-        </p:spPr>
-      </p:pic>
+        </p:nvSpPr>
+        <p:spPr/>
+        <p:txBody>
+          <a:bodyPr/>
+          <a:p>
+            <a:r>
+              <a:rPr lang="zh-CN" altLang="en-US"/>
+              <a:t>控制变量的序列化，在变量声明前加上该关键字，可以阻止该变量被序列化到文件中，在被反序列化后，transient 变量的值被设为初始值，如 int 型的是 0，对象型的是 null</a:t>
+            </a:r>
+            <a:endParaRPr lang="zh-CN" altLang="en-US"/>
+          </a:p>
+        </p:txBody>
+      </p:sp>
     </p:spTree>
   </p:cSld>
   <p:clrMapOvr>
@@ -3340,24 +4081,20 @@
           <a:bodyPr/>
           <a:p>
             <a:r>
+              <a:rPr lang="en-US" altLang="zh-CN"/>
+              <a:t>transient</a:t>
+            </a:r>
+            <a:r>
               <a:rPr lang="zh-CN" altLang="en-US"/>
-              <a:t>静态变量序列化</a:t>
-            </a:r>
-            <a:r>
-              <a:rPr lang="en-US" altLang="zh-CN"/>
-              <a:t>-</a:t>
-            </a:r>
-            <a:r>
-              <a:rPr lang="zh-CN" altLang="zh-CN"/>
-              <a:t>现象</a:t>
-            </a:r>
-            <a:endParaRPr lang="zh-CN" altLang="zh-CN"/>
+              <a:t>示例</a:t>
+            </a:r>
+            <a:endParaRPr lang="zh-CN" altLang="en-US"/>
           </a:p>
         </p:txBody>
       </p:sp>
       <p:pic>
         <p:nvPicPr>
-          <p:cNvPr id="4" name="内容占位符 3"/>
+          <p:cNvPr id="6" name="内容占位符 5"/>
           <p:cNvPicPr>
             <a:picLocks noChangeAspect="1"/>
           </p:cNvPicPr>
@@ -3373,8 +4110,8 @@
         </p:blipFill>
         <p:spPr>
           <a:xfrm>
-            <a:off x="838200" y="3713480"/>
-            <a:ext cx="6350635" cy="2294890"/>
+            <a:off x="838200" y="2042795"/>
+            <a:ext cx="4018280" cy="1030605"/>
           </a:xfrm>
           <a:prstGeom prst="rect">
             <a:avLst/>
@@ -3383,7 +4120,7 @@
       </p:pic>
       <p:pic>
         <p:nvPicPr>
-          <p:cNvPr id="5" name="图片 4"/>
+          <p:cNvPr id="7" name="图片 6"/>
           <p:cNvPicPr>
             <a:picLocks noChangeAspect="1"/>
           </p:cNvPicPr>
@@ -3397,8 +4134,8 @@
         </p:blipFill>
         <p:spPr>
           <a:xfrm>
-            <a:off x="7499350" y="5055870"/>
-            <a:ext cx="4209415" cy="952500"/>
+            <a:off x="838200" y="3251200"/>
+            <a:ext cx="5230495" cy="2288540"/>
           </a:xfrm>
           <a:prstGeom prst="rect">
             <a:avLst/>
@@ -3407,7 +4144,7 @@
       </p:pic>
       <p:pic>
         <p:nvPicPr>
-          <p:cNvPr id="6" name="图片 5"/>
+          <p:cNvPr id="8" name="图片 7"/>
           <p:cNvPicPr>
             <a:picLocks noChangeAspect="1"/>
           </p:cNvPicPr>
@@ -3421,8 +4158,8 @@
         </p:blipFill>
         <p:spPr>
           <a:xfrm>
-            <a:off x="838200" y="2296795"/>
-            <a:ext cx="4514215" cy="771525"/>
+            <a:off x="8671560" y="2042795"/>
+            <a:ext cx="1790700" cy="904875"/>
           </a:xfrm>
           <a:prstGeom prst="rect">
             <a:avLst/>
@@ -3459,63 +4196,98 @@
         </p:nvSpPr>
         <p:spPr/>
         <p:txBody>
-          <a:bodyPr>
-            <a:normAutofit/>
-          </a:bodyPr>
-          <a:p>
-            <a:r>
-              <a:rPr lang="zh-CN" altLang="en-US">
-                <a:sym typeface="+mn-ea"/>
-              </a:rPr>
+          <a:bodyPr/>
+          <a:p>
+            <a:r>
+              <a:rPr lang="zh-CN" altLang="en-US"/>
               <a:t>静态变量序列化</a:t>
             </a:r>
             <a:r>
-              <a:rPr lang="en-US" altLang="zh-CN">
-                <a:sym typeface="+mn-ea"/>
-              </a:rPr>
+              <a:rPr lang="en-US" altLang="zh-CN"/>
               <a:t>-</a:t>
             </a:r>
             <a:r>
-              <a:rPr lang="zh-CN" altLang="en-US">
-                <a:sym typeface="+mn-ea"/>
-              </a:rPr>
-              <a:t>原因</a:t>
-            </a:r>
-            <a:endParaRPr lang="zh-CN" altLang="en-US">
-              <a:sym typeface="+mn-ea"/>
-            </a:endParaRPr>
-          </a:p>
-        </p:txBody>
-      </p:sp>
-      <p:sp>
-        <p:nvSpPr>
-          <p:cNvPr id="3" name="内容占位符 2"/>
-          <p:cNvSpPr>
-            <a:spLocks noGrp="1"/>
-          </p:cNvSpPr>
+              <a:rPr lang="zh-CN" altLang="zh-CN"/>
+              <a:t>现象</a:t>
+            </a:r>
+            <a:endParaRPr lang="zh-CN" altLang="zh-CN"/>
+          </a:p>
+        </p:txBody>
+      </p:sp>
+      <p:pic>
+        <p:nvPicPr>
+          <p:cNvPr id="4" name="内容占位符 3"/>
+          <p:cNvPicPr>
+            <a:picLocks noChangeAspect="1"/>
+          </p:cNvPicPr>
           <p:nvPr>
             <p:ph idx="1"/>
           </p:nvPr>
-        </p:nvSpPr>
-        <p:spPr/>
-        <p:txBody>
-          <a:bodyPr/>
-          <a:p>
-            <a:r>
-              <a:rPr lang="zh-CN" altLang="en-US"/>
-              <a:t>在序列化时，不会保存静态变量，因为序列化保存的是对象的状态，静态变量属于类的状态，因此 序列化并不保存静态变量</a:t>
-            </a:r>
-            <a:endParaRPr lang="zh-CN" altLang="en-US"/>
-          </a:p>
-          <a:p>
-            <a:r>
-              <a:rPr lang="zh-CN" altLang="en-US"/>
-              <a:t>变量值变化时立即生效的原因，是因为静态常量放在方法区，只维持一个状态，所以在反序列化后取到的值是刚刚修改过的</a:t>
-            </a:r>
-            <a:endParaRPr lang="zh-CN" altLang="en-US"/>
-          </a:p>
-        </p:txBody>
-      </p:sp>
+        </p:nvPicPr>
+        <p:blipFill>
+          <a:blip r:embed="rId1"/>
+          <a:stretch>
+            <a:fillRect/>
+          </a:stretch>
+        </p:blipFill>
+        <p:spPr>
+          <a:xfrm>
+            <a:off x="838200" y="3713480"/>
+            <a:ext cx="6350635" cy="2294890"/>
+          </a:xfrm>
+          <a:prstGeom prst="rect">
+            <a:avLst/>
+          </a:prstGeom>
+        </p:spPr>
+      </p:pic>
+      <p:pic>
+        <p:nvPicPr>
+          <p:cNvPr id="5" name="图片 4"/>
+          <p:cNvPicPr>
+            <a:picLocks noChangeAspect="1"/>
+          </p:cNvPicPr>
+          <p:nvPr/>
+        </p:nvPicPr>
+        <p:blipFill>
+          <a:blip r:embed="rId2"/>
+          <a:stretch>
+            <a:fillRect/>
+          </a:stretch>
+        </p:blipFill>
+        <p:spPr>
+          <a:xfrm>
+            <a:off x="7499350" y="5055870"/>
+            <a:ext cx="4209415" cy="952500"/>
+          </a:xfrm>
+          <a:prstGeom prst="rect">
+            <a:avLst/>
+          </a:prstGeom>
+        </p:spPr>
+      </p:pic>
+      <p:pic>
+        <p:nvPicPr>
+          <p:cNvPr id="6" name="图片 5"/>
+          <p:cNvPicPr>
+            <a:picLocks noChangeAspect="1"/>
+          </p:cNvPicPr>
+          <p:nvPr/>
+        </p:nvPicPr>
+        <p:blipFill>
+          <a:blip r:embed="rId3"/>
+          <a:stretch>
+            <a:fillRect/>
+          </a:stretch>
+        </p:blipFill>
+        <p:spPr>
+          <a:xfrm>
+            <a:off x="838200" y="2296795"/>
+            <a:ext cx="4514215" cy="771525"/>
+          </a:xfrm>
+          <a:prstGeom prst="rect">
+            <a:avLst/>
+          </a:prstGeom>
+        </p:spPr>
+      </p:pic>
     </p:spTree>
   </p:cSld>
   <p:clrMapOvr>
